--- a/static/poster/r-intro-mpic/img/r-chem.pptx
+++ b/static/poster/r-intro-mpic/img/r-chem.pptx
@@ -288,7 +288,7 @@
           <a:p>
             <a:fld id="{6BDE8A57-79F1-4ED0-A3DC-897D91719137}" type="datetimeFigureOut">
               <a:rPr lang="en-US" smtClean="0"/>
-              <a:t>11/29/2018</a:t>
+              <a:t>11/30/2018</a:t>
             </a:fld>
             <a:endParaRPr lang="en-US"/>
           </a:p>
@@ -458,7 +458,7 @@
           <a:p>
             <a:fld id="{6BDE8A57-79F1-4ED0-A3DC-897D91719137}" type="datetimeFigureOut">
               <a:rPr lang="en-US" smtClean="0"/>
-              <a:t>11/29/2018</a:t>
+              <a:t>11/30/2018</a:t>
             </a:fld>
             <a:endParaRPr lang="en-US"/>
           </a:p>
@@ -638,7 +638,7 @@
           <a:p>
             <a:fld id="{6BDE8A57-79F1-4ED0-A3DC-897D91719137}" type="datetimeFigureOut">
               <a:rPr lang="en-US" smtClean="0"/>
-              <a:t>11/29/2018</a:t>
+              <a:t>11/30/2018</a:t>
             </a:fld>
             <a:endParaRPr lang="en-US"/>
           </a:p>
@@ -808,7 +808,7 @@
           <a:p>
             <a:fld id="{6BDE8A57-79F1-4ED0-A3DC-897D91719137}" type="datetimeFigureOut">
               <a:rPr lang="en-US" smtClean="0"/>
-              <a:t>11/29/2018</a:t>
+              <a:t>11/30/2018</a:t>
             </a:fld>
             <a:endParaRPr lang="en-US"/>
           </a:p>
@@ -1054,7 +1054,7 @@
           <a:p>
             <a:fld id="{6BDE8A57-79F1-4ED0-A3DC-897D91719137}" type="datetimeFigureOut">
               <a:rPr lang="en-US" smtClean="0"/>
-              <a:t>11/29/2018</a:t>
+              <a:t>11/30/2018</a:t>
             </a:fld>
             <a:endParaRPr lang="en-US"/>
           </a:p>
@@ -1342,7 +1342,7 @@
           <a:p>
             <a:fld id="{6BDE8A57-79F1-4ED0-A3DC-897D91719137}" type="datetimeFigureOut">
               <a:rPr lang="en-US" smtClean="0"/>
-              <a:t>11/29/2018</a:t>
+              <a:t>11/30/2018</a:t>
             </a:fld>
             <a:endParaRPr lang="en-US"/>
           </a:p>
@@ -1764,7 +1764,7 @@
           <a:p>
             <a:fld id="{6BDE8A57-79F1-4ED0-A3DC-897D91719137}" type="datetimeFigureOut">
               <a:rPr lang="en-US" smtClean="0"/>
-              <a:t>11/29/2018</a:t>
+              <a:t>11/30/2018</a:t>
             </a:fld>
             <a:endParaRPr lang="en-US"/>
           </a:p>
@@ -1882,7 +1882,7 @@
           <a:p>
             <a:fld id="{6BDE8A57-79F1-4ED0-A3DC-897D91719137}" type="datetimeFigureOut">
               <a:rPr lang="en-US" smtClean="0"/>
-              <a:t>11/29/2018</a:t>
+              <a:t>11/30/2018</a:t>
             </a:fld>
             <a:endParaRPr lang="en-US"/>
           </a:p>
@@ -1977,7 +1977,7 @@
           <a:p>
             <a:fld id="{6BDE8A57-79F1-4ED0-A3DC-897D91719137}" type="datetimeFigureOut">
               <a:rPr lang="en-US" smtClean="0"/>
-              <a:t>11/29/2018</a:t>
+              <a:t>11/30/2018</a:t>
             </a:fld>
             <a:endParaRPr lang="en-US"/>
           </a:p>
@@ -2254,7 +2254,7 @@
           <a:p>
             <a:fld id="{6BDE8A57-79F1-4ED0-A3DC-897D91719137}" type="datetimeFigureOut">
               <a:rPr lang="en-US" smtClean="0"/>
-              <a:t>11/29/2018</a:t>
+              <a:t>11/30/2018</a:t>
             </a:fld>
             <a:endParaRPr lang="en-US"/>
           </a:p>
@@ -2507,7 +2507,7 @@
           <a:p>
             <a:fld id="{6BDE8A57-79F1-4ED0-A3DC-897D91719137}" type="datetimeFigureOut">
               <a:rPr lang="en-US" smtClean="0"/>
-              <a:t>11/29/2018</a:t>
+              <a:t>11/30/2018</a:t>
             </a:fld>
             <a:endParaRPr lang="en-US"/>
           </a:p>
@@ -2720,7 +2720,7 @@
           <a:p>
             <a:fld id="{6BDE8A57-79F1-4ED0-A3DC-897D91719137}" type="datetimeFigureOut">
               <a:rPr lang="en-US" smtClean="0"/>
-              <a:t>11/29/2018</a:t>
+              <a:t>11/30/2018</a:t>
             </a:fld>
             <a:endParaRPr lang="en-US"/>
           </a:p>
@@ -3103,10 +3103,10 @@
         </p:nvGrpSpPr>
         <p:grpSpPr>
           <a:xfrm>
-            <a:off x="2051720" y="764704"/>
-            <a:ext cx="4468860" cy="4005436"/>
-            <a:chOff x="2051720" y="764704"/>
-            <a:chExt cx="4468860" cy="4005436"/>
+            <a:off x="2236434" y="764704"/>
+            <a:ext cx="4284146" cy="4314454"/>
+            <a:chOff x="2236434" y="764704"/>
+            <a:chExt cx="4284146" cy="4314454"/>
           </a:xfrm>
         </p:grpSpPr>
         <p:pic>
@@ -3138,8 +3138,8 @@
             </a:stretch>
           </p:blipFill>
           <p:spPr bwMode="auto">
-            <a:xfrm>
-              <a:off x="2051720" y="1988840"/>
+            <a:xfrm rot="21095824">
+              <a:off x="2236434" y="2297858"/>
               <a:ext cx="3448050" cy="2781300"/>
             </a:xfrm>
             <a:prstGeom prst="rect">
